--- a/Course Content/Mid course presentation template.pptx
+++ b/Course Content/Mid course presentation template.pptx
@@ -370,7 +370,7 @@
           <a:p>
             <a:fld id="{A9A53375-33CF-4337-8CED-A72BDF2DAACF}" type="datetimeFigureOut">
               <a:rPr lang="en-US" smtClean="0"/>
-              <a:t>9/28/2021</a:t>
+              <a:t>9/20/2022</a:t>
             </a:fld>
             <a:endParaRPr lang="en-US"/>
           </a:p>
@@ -568,7 +568,7 @@
           <a:p>
             <a:fld id="{A9A53375-33CF-4337-8CED-A72BDF2DAACF}" type="datetimeFigureOut">
               <a:rPr lang="en-US" smtClean="0"/>
-              <a:t>9/28/2021</a:t>
+              <a:t>9/20/2022</a:t>
             </a:fld>
             <a:endParaRPr lang="en-US"/>
           </a:p>
@@ -776,7 +776,7 @@
           <a:p>
             <a:fld id="{A9A53375-33CF-4337-8CED-A72BDF2DAACF}" type="datetimeFigureOut">
               <a:rPr lang="en-US" smtClean="0"/>
-              <a:t>9/28/2021</a:t>
+              <a:t>9/20/2022</a:t>
             </a:fld>
             <a:endParaRPr lang="en-US"/>
           </a:p>
@@ -974,7 +974,7 @@
           <a:p>
             <a:fld id="{A9A53375-33CF-4337-8CED-A72BDF2DAACF}" type="datetimeFigureOut">
               <a:rPr lang="en-US" smtClean="0"/>
-              <a:t>9/28/2021</a:t>
+              <a:t>9/20/2022</a:t>
             </a:fld>
             <a:endParaRPr lang="en-US"/>
           </a:p>
@@ -1249,7 +1249,7 @@
           <a:p>
             <a:fld id="{A9A53375-33CF-4337-8CED-A72BDF2DAACF}" type="datetimeFigureOut">
               <a:rPr lang="en-US" smtClean="0"/>
-              <a:t>9/28/2021</a:t>
+              <a:t>9/20/2022</a:t>
             </a:fld>
             <a:endParaRPr lang="en-US"/>
           </a:p>
@@ -1514,7 +1514,7 @@
           <a:p>
             <a:fld id="{A9A53375-33CF-4337-8CED-A72BDF2DAACF}" type="datetimeFigureOut">
               <a:rPr lang="en-US" smtClean="0"/>
-              <a:t>9/28/2021</a:t>
+              <a:t>9/20/2022</a:t>
             </a:fld>
             <a:endParaRPr lang="en-US"/>
           </a:p>
@@ -1926,7 +1926,7 @@
           <a:p>
             <a:fld id="{A9A53375-33CF-4337-8CED-A72BDF2DAACF}" type="datetimeFigureOut">
               <a:rPr lang="en-US" smtClean="0"/>
-              <a:t>9/28/2021</a:t>
+              <a:t>9/20/2022</a:t>
             </a:fld>
             <a:endParaRPr lang="en-US"/>
           </a:p>
@@ -2067,7 +2067,7 @@
           <a:p>
             <a:fld id="{A9A53375-33CF-4337-8CED-A72BDF2DAACF}" type="datetimeFigureOut">
               <a:rPr lang="en-US" smtClean="0"/>
-              <a:t>9/28/2021</a:t>
+              <a:t>9/20/2022</a:t>
             </a:fld>
             <a:endParaRPr lang="en-US"/>
           </a:p>
@@ -2180,7 +2180,7 @@
           <a:p>
             <a:fld id="{A9A53375-33CF-4337-8CED-A72BDF2DAACF}" type="datetimeFigureOut">
               <a:rPr lang="en-US" smtClean="0"/>
-              <a:t>9/28/2021</a:t>
+              <a:t>9/20/2022</a:t>
             </a:fld>
             <a:endParaRPr lang="en-US"/>
           </a:p>
@@ -2491,7 +2491,7 @@
           <a:p>
             <a:fld id="{A9A53375-33CF-4337-8CED-A72BDF2DAACF}" type="datetimeFigureOut">
               <a:rPr lang="en-US" smtClean="0"/>
-              <a:t>9/28/2021</a:t>
+              <a:t>9/20/2022</a:t>
             </a:fld>
             <a:endParaRPr lang="en-US"/>
           </a:p>
@@ -2779,7 +2779,7 @@
           <a:p>
             <a:fld id="{A9A53375-33CF-4337-8CED-A72BDF2DAACF}" type="datetimeFigureOut">
               <a:rPr lang="en-US" smtClean="0"/>
-              <a:t>9/28/2021</a:t>
+              <a:t>9/20/2022</a:t>
             </a:fld>
             <a:endParaRPr lang="en-US"/>
           </a:p>
@@ -3020,7 +3020,7 @@
           <a:p>
             <a:fld id="{A9A53375-33CF-4337-8CED-A72BDF2DAACF}" type="datetimeFigureOut">
               <a:rPr lang="en-US" smtClean="0"/>
-              <a:t>9/28/2021</a:t>
+              <a:t>9/20/2022</a:t>
             </a:fld>
             <a:endParaRPr lang="en-US"/>
           </a:p>
@@ -3498,16 +3498,6 @@
               </a:spcAft>
             </a:pPr>
             <a:r>
-              <a:rPr lang="en-US" sz="1800" dirty="0">
-                <a:solidFill>
-                  <a:srgbClr val="B80E0F"/>
-                </a:solidFill>
-                <a:effectLst/>
-                <a:latin typeface="Arial" panose="020B0604020202020204" pitchFamily="34" charset="0"/>
-              </a:rPr>
-              <a:t>•</a:t>
-            </a:r>
-            <a:r>
               <a:rPr lang="en-US" sz="1800" cap="all" dirty="0">
                 <a:solidFill>
                   <a:srgbClr val="000000"/>
@@ -3515,17 +3505,7 @@
                 <a:effectLst/>
                 <a:latin typeface="Impact" panose="020B0806030902050204" pitchFamily="34" charset="0"/>
               </a:rPr>
-              <a:t>Class time </a:t>
-            </a:r>
-            <a:r>
-              <a:rPr lang="en-US" sz="1800" cap="all">
-                <a:solidFill>
-                  <a:srgbClr val="000000"/>
-                </a:solidFill>
-                <a:effectLst/>
-                <a:latin typeface="Impact" panose="020B0806030902050204" pitchFamily="34" charset="0"/>
-              </a:rPr>
-              <a:t>on 10/19</a:t>
+              <a:t>Class time on 10/11</a:t>
             </a:r>
             <a:endParaRPr lang="en-US" dirty="0">
               <a:effectLst/>
@@ -3544,16 +3524,6 @@
               </a:spcAft>
             </a:pPr>
             <a:r>
-              <a:rPr lang="en-US" sz="1800" dirty="0">
-                <a:solidFill>
-                  <a:srgbClr val="B80E0F"/>
-                </a:solidFill>
-                <a:effectLst/>
-                <a:latin typeface="Arial" panose="020B0604020202020204" pitchFamily="34" charset="0"/>
-              </a:rPr>
-              <a:t>•</a:t>
-            </a:r>
-            <a:r>
               <a:rPr lang="en-US" sz="1800" cap="all" dirty="0">
                 <a:solidFill>
                   <a:srgbClr val="000000"/>
@@ -3580,16 +3550,6 @@
               </a:spcAft>
             </a:pPr>
             <a:r>
-              <a:rPr lang="en-US" sz="1800" dirty="0">
-                <a:solidFill>
-                  <a:srgbClr val="B80E0F"/>
-                </a:solidFill>
-                <a:effectLst/>
-                <a:latin typeface="Arial" panose="020B0604020202020204" pitchFamily="34" charset="0"/>
-              </a:rPr>
-              <a:t>•</a:t>
-            </a:r>
-            <a:r>
               <a:rPr lang="en-US" sz="1800" cap="all" dirty="0">
                 <a:solidFill>
                   <a:srgbClr val="000000"/>
@@ -3616,16 +3576,6 @@
               </a:spcAft>
             </a:pPr>
             <a:r>
-              <a:rPr lang="en-US" sz="1800" dirty="0">
-                <a:solidFill>
-                  <a:srgbClr val="B80E0F"/>
-                </a:solidFill>
-                <a:effectLst/>
-                <a:latin typeface="Arial" panose="020B0604020202020204" pitchFamily="34" charset="0"/>
-              </a:rPr>
-              <a:t>•</a:t>
-            </a:r>
-            <a:r>
               <a:rPr lang="en-US" sz="1800" cap="all" dirty="0">
                 <a:solidFill>
                   <a:srgbClr val="000000"/>
@@ -3635,9 +3585,6 @@
               </a:rPr>
               <a:t>problem statement</a:t>
             </a:r>
-            <a:endParaRPr lang="en-US" dirty="0">
-              <a:effectLst/>
-            </a:endParaRPr>
           </a:p>
           <a:p>
             <a:pPr marL="685800" indent="-228600" algn="l" rtl="0" latinLnBrk="0">
@@ -3652,28 +3599,14 @@
               </a:spcAft>
             </a:pPr>
             <a:r>
-              <a:rPr lang="en-US" sz="1800" dirty="0">
-                <a:solidFill>
-                  <a:srgbClr val="B80E0F"/>
-                </a:solidFill>
-                <a:effectLst/>
-                <a:latin typeface="Arial" panose="020B0604020202020204" pitchFamily="34" charset="0"/>
-              </a:rPr>
-              <a:t>•</a:t>
-            </a:r>
-            <a:r>
               <a:rPr lang="en-US" sz="1800" cap="all" dirty="0">
                 <a:solidFill>
                   <a:srgbClr val="000000"/>
                 </a:solidFill>
-                <a:effectLst/>
                 <a:latin typeface="Impact" panose="020B0806030902050204" pitchFamily="34" charset="0"/>
               </a:rPr>
-              <a:t>persona</a:t>
-            </a:r>
-            <a:endParaRPr lang="en-US" dirty="0">
-              <a:effectLst/>
-            </a:endParaRPr>
+              <a:t>Customer</a:t>
+            </a:r>
           </a:p>
           <a:p>
             <a:pPr marL="685800" indent="-228600" algn="l" rtl="0" latinLnBrk="0">
@@ -3688,16 +3621,6 @@
               </a:spcAft>
             </a:pPr>
             <a:r>
-              <a:rPr lang="en-US" sz="1800" dirty="0">
-                <a:solidFill>
-                  <a:srgbClr val="B80E0F"/>
-                </a:solidFill>
-                <a:effectLst/>
-                <a:latin typeface="Arial" panose="020B0604020202020204" pitchFamily="34" charset="0"/>
-              </a:rPr>
-              <a:t>•</a:t>
-            </a:r>
-            <a:r>
               <a:rPr lang="en-US" sz="1800" cap="all" dirty="0">
                 <a:solidFill>
                   <a:srgbClr val="000000"/>
@@ -3724,16 +3647,6 @@
               </a:spcAft>
             </a:pPr>
             <a:r>
-              <a:rPr lang="en-US" sz="1800" dirty="0">
-                <a:solidFill>
-                  <a:srgbClr val="B80E0F"/>
-                </a:solidFill>
-                <a:effectLst/>
-                <a:latin typeface="Arial" panose="020B0604020202020204" pitchFamily="34" charset="0"/>
-              </a:rPr>
-              <a:t>•</a:t>
-            </a:r>
-            <a:r>
               <a:rPr lang="en-US" sz="1800" cap="all" dirty="0">
                 <a:solidFill>
                   <a:srgbClr val="000000"/>
@@ -3759,16 +3672,6 @@
                 <a:spcPts val="0"/>
               </a:spcAft>
             </a:pPr>
-            <a:r>
-              <a:rPr lang="en-US" sz="1800" dirty="0">
-                <a:solidFill>
-                  <a:srgbClr val="B80E0F"/>
-                </a:solidFill>
-                <a:effectLst/>
-                <a:latin typeface="Arial" panose="020B0604020202020204" pitchFamily="34" charset="0"/>
-              </a:rPr>
-              <a:t>•</a:t>
-            </a:r>
             <a:r>
               <a:rPr lang="en-US" sz="1800" cap="all" dirty="0">
                 <a:solidFill>
@@ -3961,6 +3864,12 @@
           <a:p>
             <a:r>
               <a:rPr lang="en-US" dirty="0"/>
+              <a:t>As slide on each of the following:</a:t>
+            </a:r>
+          </a:p>
+          <a:p>
+            <a:r>
+              <a:rPr lang="en-US" dirty="0"/>
               <a:t>Problem Statement:</a:t>
             </a:r>
           </a:p>
@@ -3968,12 +3877,6 @@
             <a:r>
               <a:rPr lang="en-US" dirty="0"/>
               <a:t>Customer(s):</a:t>
-            </a:r>
-          </a:p>
-          <a:p>
-            <a:r>
-              <a:rPr lang="en-US" dirty="0"/>
-              <a:t>Persona(s): </a:t>
             </a:r>
           </a:p>
           <a:p>

--- a/Course Content/Mid course presentation template.pptx
+++ b/Course Content/Mid course presentation template.pptx
@@ -217,6 +217,30 @@
             <ac:picMk id="5" creationId="{5EF6FC56-4D8B-4D8B-8B50-9B5F8FE8A3F1}"/>
           </ac:picMkLst>
         </pc:picChg>
+      </pc:sldChg>
+    </pc:docChg>
+  </pc:docChgLst>
+  <pc:docChgLst>
+    <pc:chgData name="Martin Schray" userId="bf4f4853c980e97a" providerId="LiveId" clId="{75971A44-C0CD-4842-AAB4-CBBEF28CBF8A}"/>
+    <pc:docChg chg="custSel modSld">
+      <pc:chgData name="Martin Schray" userId="bf4f4853c980e97a" providerId="LiveId" clId="{75971A44-C0CD-4842-AAB4-CBBEF28CBF8A}" dt="2022-09-20T22:52:58.155" v="77" actId="20577"/>
+      <pc:docMkLst>
+        <pc:docMk/>
+      </pc:docMkLst>
+      <pc:sldChg chg="modSp mod">
+        <pc:chgData name="Martin Schray" userId="bf4f4853c980e97a" providerId="LiveId" clId="{75971A44-C0CD-4842-AAB4-CBBEF28CBF8A}" dt="2022-09-20T22:52:58.155" v="77" actId="20577"/>
+        <pc:sldMkLst>
+          <pc:docMk/>
+          <pc:sldMk cId="1211749345" sldId="261"/>
+        </pc:sldMkLst>
+        <pc:spChg chg="mod">
+          <ac:chgData name="Martin Schray" userId="bf4f4853c980e97a" providerId="LiveId" clId="{75971A44-C0CD-4842-AAB4-CBBEF28CBF8A}" dt="2022-09-20T22:52:58.155" v="77" actId="20577"/>
+          <ac:spMkLst>
+            <pc:docMk/>
+            <pc:sldMk cId="1211749345" sldId="261"/>
+            <ac:spMk id="3" creationId="{DE9F9C15-CAF4-47F0-80CC-073522E0DB3D}"/>
+          </ac:spMkLst>
+        </pc:spChg>
       </pc:sldChg>
     </pc:docChg>
   </pc:docChgLst>
@@ -3630,6 +3654,37 @@
               </a:rPr>
               <a:t>Scenario(s)</a:t>
             </a:r>
+          </a:p>
+          <a:p>
+            <a:pPr marL="685800" indent="-228600" algn="l" rtl="0" latinLnBrk="0">
+              <a:lnSpc>
+                <a:spcPct val="120000"/>
+              </a:lnSpc>
+              <a:spcBef>
+                <a:spcPts val="500"/>
+              </a:spcBef>
+              <a:spcAft>
+                <a:spcPts val="0"/>
+              </a:spcAft>
+            </a:pPr>
+            <a:r>
+              <a:rPr lang="en-US" sz="1800" cap="all" dirty="0">
+                <a:solidFill>
+                  <a:srgbClr val="000000"/>
+                </a:solidFill>
+                <a:latin typeface="Impact" panose="020B0806030902050204" pitchFamily="34" charset="0"/>
+              </a:rPr>
+              <a:t>How might you make money (subscriptions, ads, fee on </a:t>
+            </a:r>
+            <a:r>
+              <a:rPr lang="en-US" sz="1800" cap="all">
+                <a:solidFill>
+                  <a:srgbClr val="000000"/>
+                </a:solidFill>
+                <a:latin typeface="Impact" panose="020B0806030902050204" pitchFamily="34" charset="0"/>
+              </a:rPr>
+              <a:t>each sale, …)</a:t>
+            </a:r>
             <a:endParaRPr lang="en-US" dirty="0">
               <a:effectLst/>
             </a:endParaRPr>

--- a/Course Content/Mid course presentation template.pptx
+++ b/Course Content/Mid course presentation template.pptx
@@ -119,6 +119,30 @@
 <file path=ppt/changesInfos/changesInfo1.xml><?xml version="1.0" encoding="utf-8"?>
 <pc:chgInfo xmlns:a="http://schemas.openxmlformats.org/drawingml/2006/main" xmlns:r="http://schemas.openxmlformats.org/officeDocument/2006/relationships" xmlns:ac="http://schemas.microsoft.com/office/drawing/2013/main/command" xmlns:pc="http://schemas.microsoft.com/office/powerpoint/2013/main/command">
   <pc:docChgLst>
+    <pc:chgData name="Martin Schray" userId="bf4f4853c980e97a" providerId="LiveId" clId="{75971A44-C0CD-4842-AAB4-CBBEF28CBF8A}"/>
+    <pc:docChg chg="custSel modSld">
+      <pc:chgData name="Martin Schray" userId="bf4f4853c980e97a" providerId="LiveId" clId="{75971A44-C0CD-4842-AAB4-CBBEF28CBF8A}" dt="2022-09-20T22:52:58.155" v="77" actId="20577"/>
+      <pc:docMkLst>
+        <pc:docMk/>
+      </pc:docMkLst>
+      <pc:sldChg chg="modSp mod">
+        <pc:chgData name="Martin Schray" userId="bf4f4853c980e97a" providerId="LiveId" clId="{75971A44-C0CD-4842-AAB4-CBBEF28CBF8A}" dt="2022-09-20T22:52:58.155" v="77" actId="20577"/>
+        <pc:sldMkLst>
+          <pc:docMk/>
+          <pc:sldMk cId="1211749345" sldId="261"/>
+        </pc:sldMkLst>
+        <pc:spChg chg="mod">
+          <ac:chgData name="Martin Schray" userId="bf4f4853c980e97a" providerId="LiveId" clId="{75971A44-C0CD-4842-AAB4-CBBEF28CBF8A}" dt="2022-09-20T22:52:58.155" v="77" actId="20577"/>
+          <ac:spMkLst>
+            <pc:docMk/>
+            <pc:sldMk cId="1211749345" sldId="261"/>
+            <ac:spMk id="3" creationId="{DE9F9C15-CAF4-47F0-80CC-073522E0DB3D}"/>
+          </ac:spMkLst>
+        </pc:spChg>
+      </pc:sldChg>
+    </pc:docChg>
+  </pc:docChgLst>
+  <pc:docChgLst>
     <pc:chgData name="Martin Schray" userId="bf4f4853c980e97a" providerId="LiveId" clId="{5C06F550-FC48-4E47-A1B9-89026E8EA9FA}"/>
     <pc:docChg chg="modSld">
       <pc:chgData name="Martin Schray" userId="bf4f4853c980e97a" providerId="LiveId" clId="{5C06F550-FC48-4E47-A1B9-89026E8EA9FA}" dt="2021-09-28T23:54:18.354" v="7" actId="20577"/>
@@ -220,30 +244,6 @@
       </pc:sldChg>
     </pc:docChg>
   </pc:docChgLst>
-  <pc:docChgLst>
-    <pc:chgData name="Martin Schray" userId="bf4f4853c980e97a" providerId="LiveId" clId="{75971A44-C0CD-4842-AAB4-CBBEF28CBF8A}"/>
-    <pc:docChg chg="custSel modSld">
-      <pc:chgData name="Martin Schray" userId="bf4f4853c980e97a" providerId="LiveId" clId="{75971A44-C0CD-4842-AAB4-CBBEF28CBF8A}" dt="2022-09-20T22:52:58.155" v="77" actId="20577"/>
-      <pc:docMkLst>
-        <pc:docMk/>
-      </pc:docMkLst>
-      <pc:sldChg chg="modSp mod">
-        <pc:chgData name="Martin Schray" userId="bf4f4853c980e97a" providerId="LiveId" clId="{75971A44-C0CD-4842-AAB4-CBBEF28CBF8A}" dt="2022-09-20T22:52:58.155" v="77" actId="20577"/>
-        <pc:sldMkLst>
-          <pc:docMk/>
-          <pc:sldMk cId="1211749345" sldId="261"/>
-        </pc:sldMkLst>
-        <pc:spChg chg="mod">
-          <ac:chgData name="Martin Schray" userId="bf4f4853c980e97a" providerId="LiveId" clId="{75971A44-C0CD-4842-AAB4-CBBEF28CBF8A}" dt="2022-09-20T22:52:58.155" v="77" actId="20577"/>
-          <ac:spMkLst>
-            <pc:docMk/>
-            <pc:sldMk cId="1211749345" sldId="261"/>
-            <ac:spMk id="3" creationId="{DE9F9C15-CAF4-47F0-80CC-073522E0DB3D}"/>
-          </ac:spMkLst>
-        </pc:spChg>
-      </pc:sldChg>
-    </pc:docChg>
-  </pc:docChgLst>
 </pc:chgInfo>
 </file>
 
@@ -394,7 +394,7 @@
           <a:p>
             <a:fld id="{A9A53375-33CF-4337-8CED-A72BDF2DAACF}" type="datetimeFigureOut">
               <a:rPr lang="en-US" smtClean="0"/>
-              <a:t>9/20/2022</a:t>
+              <a:t>10/4/2022</a:t>
             </a:fld>
             <a:endParaRPr lang="en-US"/>
           </a:p>
@@ -592,7 +592,7 @@
           <a:p>
             <a:fld id="{A9A53375-33CF-4337-8CED-A72BDF2DAACF}" type="datetimeFigureOut">
               <a:rPr lang="en-US" smtClean="0"/>
-              <a:t>9/20/2022</a:t>
+              <a:t>10/4/2022</a:t>
             </a:fld>
             <a:endParaRPr lang="en-US"/>
           </a:p>
@@ -800,7 +800,7 @@
           <a:p>
             <a:fld id="{A9A53375-33CF-4337-8CED-A72BDF2DAACF}" type="datetimeFigureOut">
               <a:rPr lang="en-US" smtClean="0"/>
-              <a:t>9/20/2022</a:t>
+              <a:t>10/4/2022</a:t>
             </a:fld>
             <a:endParaRPr lang="en-US"/>
           </a:p>
@@ -998,7 +998,7 @@
           <a:p>
             <a:fld id="{A9A53375-33CF-4337-8CED-A72BDF2DAACF}" type="datetimeFigureOut">
               <a:rPr lang="en-US" smtClean="0"/>
-              <a:t>9/20/2022</a:t>
+              <a:t>10/4/2022</a:t>
             </a:fld>
             <a:endParaRPr lang="en-US"/>
           </a:p>
@@ -1273,7 +1273,7 @@
           <a:p>
             <a:fld id="{A9A53375-33CF-4337-8CED-A72BDF2DAACF}" type="datetimeFigureOut">
               <a:rPr lang="en-US" smtClean="0"/>
-              <a:t>9/20/2022</a:t>
+              <a:t>10/4/2022</a:t>
             </a:fld>
             <a:endParaRPr lang="en-US"/>
           </a:p>
@@ -1538,7 +1538,7 @@
           <a:p>
             <a:fld id="{A9A53375-33CF-4337-8CED-A72BDF2DAACF}" type="datetimeFigureOut">
               <a:rPr lang="en-US" smtClean="0"/>
-              <a:t>9/20/2022</a:t>
+              <a:t>10/4/2022</a:t>
             </a:fld>
             <a:endParaRPr lang="en-US"/>
           </a:p>
@@ -1950,7 +1950,7 @@
           <a:p>
             <a:fld id="{A9A53375-33CF-4337-8CED-A72BDF2DAACF}" type="datetimeFigureOut">
               <a:rPr lang="en-US" smtClean="0"/>
-              <a:t>9/20/2022</a:t>
+              <a:t>10/4/2022</a:t>
             </a:fld>
             <a:endParaRPr lang="en-US"/>
           </a:p>
@@ -2091,7 +2091,7 @@
           <a:p>
             <a:fld id="{A9A53375-33CF-4337-8CED-A72BDF2DAACF}" type="datetimeFigureOut">
               <a:rPr lang="en-US" smtClean="0"/>
-              <a:t>9/20/2022</a:t>
+              <a:t>10/4/2022</a:t>
             </a:fld>
             <a:endParaRPr lang="en-US"/>
           </a:p>
@@ -2204,7 +2204,7 @@
           <a:p>
             <a:fld id="{A9A53375-33CF-4337-8CED-A72BDF2DAACF}" type="datetimeFigureOut">
               <a:rPr lang="en-US" smtClean="0"/>
-              <a:t>9/20/2022</a:t>
+              <a:t>10/4/2022</a:t>
             </a:fld>
             <a:endParaRPr lang="en-US"/>
           </a:p>
@@ -2515,7 +2515,7 @@
           <a:p>
             <a:fld id="{A9A53375-33CF-4337-8CED-A72BDF2DAACF}" type="datetimeFigureOut">
               <a:rPr lang="en-US" smtClean="0"/>
-              <a:t>9/20/2022</a:t>
+              <a:t>10/4/2022</a:t>
             </a:fld>
             <a:endParaRPr lang="en-US"/>
           </a:p>
@@ -2803,7 +2803,7 @@
           <a:p>
             <a:fld id="{A9A53375-33CF-4337-8CED-A72BDF2DAACF}" type="datetimeFigureOut">
               <a:rPr lang="en-US" smtClean="0"/>
-              <a:t>9/20/2022</a:t>
+              <a:t>10/4/2022</a:t>
             </a:fld>
             <a:endParaRPr lang="en-US"/>
           </a:p>
@@ -3044,7 +3044,7 @@
           <a:p>
             <a:fld id="{A9A53375-33CF-4337-8CED-A72BDF2DAACF}" type="datetimeFigureOut">
               <a:rPr lang="en-US" smtClean="0"/>
-              <a:t>9/20/2022</a:t>
+              <a:t>10/4/2022</a:t>
             </a:fld>
             <a:endParaRPr lang="en-US"/>
           </a:p>
@@ -3674,16 +3674,7 @@
                 </a:solidFill>
                 <a:latin typeface="Impact" panose="020B0806030902050204" pitchFamily="34" charset="0"/>
               </a:rPr>
-              <a:t>How might you make money (subscriptions, ads, fee on </a:t>
-            </a:r>
-            <a:r>
-              <a:rPr lang="en-US" sz="1800" cap="all">
-                <a:solidFill>
-                  <a:srgbClr val="000000"/>
-                </a:solidFill>
-                <a:latin typeface="Impact" panose="020B0806030902050204" pitchFamily="34" charset="0"/>
-              </a:rPr>
-              <a:t>each sale, …)</a:t>
+              <a:t>How might you make money (subscriptions, ads, fee on each sale, …)</a:t>
             </a:r>
             <a:endParaRPr lang="en-US" dirty="0">
               <a:effectLst/>
@@ -3939,6 +3930,15 @@
               <a:rPr lang="en-US" dirty="0"/>
               <a:t>Scenarios:</a:t>
             </a:r>
+          </a:p>
+          <a:p>
+            <a:r>
+              <a:rPr lang="en-US" dirty="0"/>
+              <a:t>How might you make money (subscriptions, ads, fee on each sale, …)</a:t>
+            </a:r>
+          </a:p>
+          <a:p>
+            <a:endParaRPr lang="en-US" dirty="0"/>
           </a:p>
           <a:p>
             <a:endParaRPr lang="en-US" dirty="0"/>

--- a/Course Content/Mid course presentation template.pptx
+++ b/Course Content/Mid course presentation template.pptx
@@ -119,30 +119,6 @@
 <file path=ppt/changesInfos/changesInfo1.xml><?xml version="1.0" encoding="utf-8"?>
 <pc:chgInfo xmlns:a="http://schemas.openxmlformats.org/drawingml/2006/main" xmlns:r="http://schemas.openxmlformats.org/officeDocument/2006/relationships" xmlns:ac="http://schemas.microsoft.com/office/drawing/2013/main/command" xmlns:pc="http://schemas.microsoft.com/office/powerpoint/2013/main/command">
   <pc:docChgLst>
-    <pc:chgData name="Martin Schray" userId="bf4f4853c980e97a" providerId="LiveId" clId="{75971A44-C0CD-4842-AAB4-CBBEF28CBF8A}"/>
-    <pc:docChg chg="custSel modSld">
-      <pc:chgData name="Martin Schray" userId="bf4f4853c980e97a" providerId="LiveId" clId="{75971A44-C0CD-4842-AAB4-CBBEF28CBF8A}" dt="2022-09-20T22:52:58.155" v="77" actId="20577"/>
-      <pc:docMkLst>
-        <pc:docMk/>
-      </pc:docMkLst>
-      <pc:sldChg chg="modSp mod">
-        <pc:chgData name="Martin Schray" userId="bf4f4853c980e97a" providerId="LiveId" clId="{75971A44-C0CD-4842-AAB4-CBBEF28CBF8A}" dt="2022-09-20T22:52:58.155" v="77" actId="20577"/>
-        <pc:sldMkLst>
-          <pc:docMk/>
-          <pc:sldMk cId="1211749345" sldId="261"/>
-        </pc:sldMkLst>
-        <pc:spChg chg="mod">
-          <ac:chgData name="Martin Schray" userId="bf4f4853c980e97a" providerId="LiveId" clId="{75971A44-C0CD-4842-AAB4-CBBEF28CBF8A}" dt="2022-09-20T22:52:58.155" v="77" actId="20577"/>
-          <ac:spMkLst>
-            <pc:docMk/>
-            <pc:sldMk cId="1211749345" sldId="261"/>
-            <ac:spMk id="3" creationId="{DE9F9C15-CAF4-47F0-80CC-073522E0DB3D}"/>
-          </ac:spMkLst>
-        </pc:spChg>
-      </pc:sldChg>
-    </pc:docChg>
-  </pc:docChgLst>
-  <pc:docChgLst>
     <pc:chgData name="Martin Schray" userId="bf4f4853c980e97a" providerId="LiveId" clId="{5C06F550-FC48-4E47-A1B9-89026E8EA9FA}"/>
     <pc:docChg chg="modSld">
       <pc:chgData name="Martin Schray" userId="bf4f4853c980e97a" providerId="LiveId" clId="{5C06F550-FC48-4E47-A1B9-89026E8EA9FA}" dt="2021-09-28T23:54:18.354" v="7" actId="20577"/>
@@ -172,6 +148,45 @@
         </pc:sldMkLst>
         <pc:spChg chg="mod">
           <ac:chgData name="Martin Schray" userId="bf4f4853c980e97a" providerId="LiveId" clId="{5C06F550-FC48-4E47-A1B9-89026E8EA9FA}" dt="2021-09-28T23:54:18.354" v="7" actId="20577"/>
+          <ac:spMkLst>
+            <pc:docMk/>
+            <pc:sldMk cId="1211749345" sldId="261"/>
+            <ac:spMk id="3" creationId="{DE9F9C15-CAF4-47F0-80CC-073522E0DB3D}"/>
+          </ac:spMkLst>
+        </pc:spChg>
+      </pc:sldChg>
+    </pc:docChg>
+  </pc:docChgLst>
+  <pc:docChgLst>
+    <pc:chgData name="Martin Schray" userId="bf4f4853c980e97a" providerId="LiveId" clId="{901F9EA8-8CDD-4286-B347-3D24B6808940}"/>
+    <pc:docChg chg="modSld">
+      <pc:chgData name="Martin Schray" userId="bf4f4853c980e97a" providerId="LiveId" clId="{901F9EA8-8CDD-4286-B347-3D24B6808940}" dt="2023-09-25T23:02:52.783" v="45" actId="20577"/>
+      <pc:docMkLst>
+        <pc:docMk/>
+      </pc:docMkLst>
+      <pc:sldChg chg="modSp mod">
+        <pc:chgData name="Martin Schray" userId="bf4f4853c980e97a" providerId="LiveId" clId="{901F9EA8-8CDD-4286-B347-3D24B6808940}" dt="2023-09-25T23:00:03.012" v="7" actId="6549"/>
+        <pc:sldMkLst>
+          <pc:docMk/>
+          <pc:sldMk cId="1238297545" sldId="256"/>
+        </pc:sldMkLst>
+        <pc:spChg chg="mod">
+          <ac:chgData name="Martin Schray" userId="bf4f4853c980e97a" providerId="LiveId" clId="{901F9EA8-8CDD-4286-B347-3D24B6808940}" dt="2023-09-25T23:00:03.012" v="7" actId="6549"/>
+          <ac:spMkLst>
+            <pc:docMk/>
+            <pc:sldMk cId="1238297545" sldId="256"/>
+            <ac:spMk id="4" creationId="{FE0C1FA8-A47F-4C12-BB87-A425F99B498C}"/>
+          </ac:spMkLst>
+        </pc:spChg>
+      </pc:sldChg>
+      <pc:sldChg chg="modSp mod">
+        <pc:chgData name="Martin Schray" userId="bf4f4853c980e97a" providerId="LiveId" clId="{901F9EA8-8CDD-4286-B347-3D24B6808940}" dt="2023-09-25T23:02:52.783" v="45" actId="20577"/>
+        <pc:sldMkLst>
+          <pc:docMk/>
+          <pc:sldMk cId="1211749345" sldId="261"/>
+        </pc:sldMkLst>
+        <pc:spChg chg="mod">
+          <ac:chgData name="Martin Schray" userId="bf4f4853c980e97a" providerId="LiveId" clId="{901F9EA8-8CDD-4286-B347-3D24B6808940}" dt="2023-09-25T23:02:52.783" v="45" actId="20577"/>
           <ac:spMkLst>
             <pc:docMk/>
             <pc:sldMk cId="1211749345" sldId="261"/>
@@ -244,6 +259,30 @@
       </pc:sldChg>
     </pc:docChg>
   </pc:docChgLst>
+  <pc:docChgLst>
+    <pc:chgData name="Martin Schray" userId="bf4f4853c980e97a" providerId="LiveId" clId="{75971A44-C0CD-4842-AAB4-CBBEF28CBF8A}"/>
+    <pc:docChg chg="custSel modSld">
+      <pc:chgData name="Martin Schray" userId="bf4f4853c980e97a" providerId="LiveId" clId="{75971A44-C0CD-4842-AAB4-CBBEF28CBF8A}" dt="2022-09-20T22:52:58.155" v="77" actId="20577"/>
+      <pc:docMkLst>
+        <pc:docMk/>
+      </pc:docMkLst>
+      <pc:sldChg chg="modSp mod">
+        <pc:chgData name="Martin Schray" userId="bf4f4853c980e97a" providerId="LiveId" clId="{75971A44-C0CD-4842-AAB4-CBBEF28CBF8A}" dt="2022-09-20T22:52:58.155" v="77" actId="20577"/>
+        <pc:sldMkLst>
+          <pc:docMk/>
+          <pc:sldMk cId="1211749345" sldId="261"/>
+        </pc:sldMkLst>
+        <pc:spChg chg="mod">
+          <ac:chgData name="Martin Schray" userId="bf4f4853c980e97a" providerId="LiveId" clId="{75971A44-C0CD-4842-AAB4-CBBEF28CBF8A}" dt="2022-09-20T22:52:58.155" v="77" actId="20577"/>
+          <ac:spMkLst>
+            <pc:docMk/>
+            <pc:sldMk cId="1211749345" sldId="261"/>
+            <ac:spMk id="3" creationId="{DE9F9C15-CAF4-47F0-80CC-073522E0DB3D}"/>
+          </ac:spMkLst>
+        </pc:spChg>
+      </pc:sldChg>
+    </pc:docChg>
+  </pc:docChgLst>
 </pc:chgInfo>
 </file>
 
@@ -394,7 +433,7 @@
           <a:p>
             <a:fld id="{A9A53375-33CF-4337-8CED-A72BDF2DAACF}" type="datetimeFigureOut">
               <a:rPr lang="en-US" smtClean="0"/>
-              <a:t>10/4/2022</a:t>
+              <a:t>9/25/2023</a:t>
             </a:fld>
             <a:endParaRPr lang="en-US"/>
           </a:p>
@@ -592,7 +631,7 @@
           <a:p>
             <a:fld id="{A9A53375-33CF-4337-8CED-A72BDF2DAACF}" type="datetimeFigureOut">
               <a:rPr lang="en-US" smtClean="0"/>
-              <a:t>10/4/2022</a:t>
+              <a:t>9/25/2023</a:t>
             </a:fld>
             <a:endParaRPr lang="en-US"/>
           </a:p>
@@ -800,7 +839,7 @@
           <a:p>
             <a:fld id="{A9A53375-33CF-4337-8CED-A72BDF2DAACF}" type="datetimeFigureOut">
               <a:rPr lang="en-US" smtClean="0"/>
-              <a:t>10/4/2022</a:t>
+              <a:t>9/25/2023</a:t>
             </a:fld>
             <a:endParaRPr lang="en-US"/>
           </a:p>
@@ -998,7 +1037,7 @@
           <a:p>
             <a:fld id="{A9A53375-33CF-4337-8CED-A72BDF2DAACF}" type="datetimeFigureOut">
               <a:rPr lang="en-US" smtClean="0"/>
-              <a:t>10/4/2022</a:t>
+              <a:t>9/25/2023</a:t>
             </a:fld>
             <a:endParaRPr lang="en-US"/>
           </a:p>
@@ -1273,7 +1312,7 @@
           <a:p>
             <a:fld id="{A9A53375-33CF-4337-8CED-A72BDF2DAACF}" type="datetimeFigureOut">
               <a:rPr lang="en-US" smtClean="0"/>
-              <a:t>10/4/2022</a:t>
+              <a:t>9/25/2023</a:t>
             </a:fld>
             <a:endParaRPr lang="en-US"/>
           </a:p>
@@ -1538,7 +1577,7 @@
           <a:p>
             <a:fld id="{A9A53375-33CF-4337-8CED-A72BDF2DAACF}" type="datetimeFigureOut">
               <a:rPr lang="en-US" smtClean="0"/>
-              <a:t>10/4/2022</a:t>
+              <a:t>9/25/2023</a:t>
             </a:fld>
             <a:endParaRPr lang="en-US"/>
           </a:p>
@@ -1950,7 +1989,7 @@
           <a:p>
             <a:fld id="{A9A53375-33CF-4337-8CED-A72BDF2DAACF}" type="datetimeFigureOut">
               <a:rPr lang="en-US" smtClean="0"/>
-              <a:t>10/4/2022</a:t>
+              <a:t>9/25/2023</a:t>
             </a:fld>
             <a:endParaRPr lang="en-US"/>
           </a:p>
@@ -2091,7 +2130,7 @@
           <a:p>
             <a:fld id="{A9A53375-33CF-4337-8CED-A72BDF2DAACF}" type="datetimeFigureOut">
               <a:rPr lang="en-US" smtClean="0"/>
-              <a:t>10/4/2022</a:t>
+              <a:t>9/25/2023</a:t>
             </a:fld>
             <a:endParaRPr lang="en-US"/>
           </a:p>
@@ -2204,7 +2243,7 @@
           <a:p>
             <a:fld id="{A9A53375-33CF-4337-8CED-A72BDF2DAACF}" type="datetimeFigureOut">
               <a:rPr lang="en-US" smtClean="0"/>
-              <a:t>10/4/2022</a:t>
+              <a:t>9/25/2023</a:t>
             </a:fld>
             <a:endParaRPr lang="en-US"/>
           </a:p>
@@ -2515,7 +2554,7 @@
           <a:p>
             <a:fld id="{A9A53375-33CF-4337-8CED-A72BDF2DAACF}" type="datetimeFigureOut">
               <a:rPr lang="en-US" smtClean="0"/>
-              <a:t>10/4/2022</a:t>
+              <a:t>9/25/2023</a:t>
             </a:fld>
             <a:endParaRPr lang="en-US"/>
           </a:p>
@@ -2803,7 +2842,7 @@
           <a:p>
             <a:fld id="{A9A53375-33CF-4337-8CED-A72BDF2DAACF}" type="datetimeFigureOut">
               <a:rPr lang="en-US" smtClean="0"/>
-              <a:t>10/4/2022</a:t>
+              <a:t>9/25/2023</a:t>
             </a:fld>
             <a:endParaRPr lang="en-US"/>
           </a:p>
@@ -3044,7 +3083,7 @@
           <a:p>
             <a:fld id="{A9A53375-33CF-4337-8CED-A72BDF2DAACF}" type="datetimeFigureOut">
               <a:rPr lang="en-US" smtClean="0"/>
-              <a:t>10/4/2022</a:t>
+              <a:t>9/25/2023</a:t>
             </a:fld>
             <a:endParaRPr lang="en-US"/>
           </a:p>
@@ -3529,7 +3568,7 @@
                 <a:effectLst/>
                 <a:latin typeface="Impact" panose="020B0806030902050204" pitchFamily="34" charset="0"/>
               </a:rPr>
-              <a:t>Class time on 10/11</a:t>
+              <a:t>Class time during &lt;See your Syllabus for date&gt;</a:t>
             </a:r>
             <a:endParaRPr lang="en-US" dirty="0">
               <a:effectLst/>
@@ -3581,7 +3620,7 @@
                 <a:effectLst/>
                 <a:latin typeface="Impact" panose="020B0806030902050204" pitchFamily="34" charset="0"/>
               </a:rPr>
-              <a:t>Slide (2 minutes)</a:t>
+              <a:t>Slide (5 minutes)</a:t>
             </a:r>
             <a:endParaRPr lang="en-US" dirty="0">
               <a:effectLst/>
@@ -3700,7 +3739,7 @@
                 <a:effectLst/>
                 <a:latin typeface="Impact" panose="020B0806030902050204" pitchFamily="34" charset="0"/>
               </a:rPr>
-              <a:t>demo (5 minutes) as much of scenario(s) as possible</a:t>
+              <a:t>demo (2 minutes) as much of scenario(s) as possible</a:t>
             </a:r>
             <a:endParaRPr lang="en-US" dirty="0">
               <a:effectLst/>
@@ -3818,7 +3857,7 @@
           <a:p>
             <a:r>
               <a:rPr lang="en-US" dirty="0"/>
-              <a:t>Team Name: (A - H) </a:t>
+              <a:t>Team Name: (A - F) </a:t>
             </a:r>
           </a:p>
           <a:p>
